--- a/javaEE/git.pptx
+++ b/javaEE/git.pptx
@@ -110,6 +110,22 @@
       </a:defRPr>
     </a:lvl9pPr>
   </p:defaultTextStyle>
+  <p:extLst>
+    <p:ext uri="{EFAFB233-063F-42B5-8137-9DF3F51BA10A}">
+      <p15:sldGuideLst xmlns:p15="http://schemas.microsoft.com/office/powerpoint/2012/main">
+        <p15:guide id="1" orient="horz" pos="2160">
+          <p15:clr>
+            <a:srgbClr val="A4A3A4"/>
+          </p15:clr>
+        </p15:guide>
+        <p15:guide id="2" pos="2880">
+          <p15:clr>
+            <a:srgbClr val="A4A3A4"/>
+          </p15:clr>
+        </p15:guide>
+      </p15:sldGuideLst>
+    </p:ext>
+  </p:extLst>
 </p:presentation>
 </file>
 
@@ -294,7 +310,7 @@
           <a:p>
             <a:fld id="{ED96DF39-5FB6-428B-B612-AFF0B4EB7C0D}" type="datetimeFigureOut">
               <a:rPr lang="ru-RU" smtClean="0"/>
-              <a:t>20.08.2020</a:t>
+              <a:t>27.08.2020</a:t>
             </a:fld>
             <a:endParaRPr lang="ru-RU"/>
           </a:p>
@@ -459,7 +475,7 @@
           <a:p>
             <a:fld id="{ED96DF39-5FB6-428B-B612-AFF0B4EB7C0D}" type="datetimeFigureOut">
               <a:rPr lang="ru-RU" smtClean="0"/>
-              <a:t>20.08.2020</a:t>
+              <a:t>27.08.2020</a:t>
             </a:fld>
             <a:endParaRPr lang="ru-RU"/>
           </a:p>
@@ -634,7 +650,7 @@
           <a:p>
             <a:fld id="{ED96DF39-5FB6-428B-B612-AFF0B4EB7C0D}" type="datetimeFigureOut">
               <a:rPr lang="ru-RU" smtClean="0"/>
-              <a:t>20.08.2020</a:t>
+              <a:t>27.08.2020</a:t>
             </a:fld>
             <a:endParaRPr lang="ru-RU"/>
           </a:p>
@@ -799,7 +815,7 @@
           <a:p>
             <a:fld id="{ED96DF39-5FB6-428B-B612-AFF0B4EB7C0D}" type="datetimeFigureOut">
               <a:rPr lang="ru-RU" smtClean="0"/>
-              <a:t>20.08.2020</a:t>
+              <a:t>27.08.2020</a:t>
             </a:fld>
             <a:endParaRPr lang="ru-RU"/>
           </a:p>
@@ -1040,7 +1056,7 @@
           <a:p>
             <a:fld id="{ED96DF39-5FB6-428B-B612-AFF0B4EB7C0D}" type="datetimeFigureOut">
               <a:rPr lang="ru-RU" smtClean="0"/>
-              <a:t>20.08.2020</a:t>
+              <a:t>27.08.2020</a:t>
             </a:fld>
             <a:endParaRPr lang="ru-RU"/>
           </a:p>
@@ -1323,7 +1339,7 @@
           <a:p>
             <a:fld id="{ED96DF39-5FB6-428B-B612-AFF0B4EB7C0D}" type="datetimeFigureOut">
               <a:rPr lang="ru-RU" smtClean="0"/>
-              <a:t>20.08.2020</a:t>
+              <a:t>27.08.2020</a:t>
             </a:fld>
             <a:endParaRPr lang="ru-RU"/>
           </a:p>
@@ -1740,7 +1756,7 @@
           <a:p>
             <a:fld id="{ED96DF39-5FB6-428B-B612-AFF0B4EB7C0D}" type="datetimeFigureOut">
               <a:rPr lang="ru-RU" smtClean="0"/>
-              <a:t>20.08.2020</a:t>
+              <a:t>27.08.2020</a:t>
             </a:fld>
             <a:endParaRPr lang="ru-RU"/>
           </a:p>
@@ -1853,7 +1869,7 @@
           <a:p>
             <a:fld id="{ED96DF39-5FB6-428B-B612-AFF0B4EB7C0D}" type="datetimeFigureOut">
               <a:rPr lang="ru-RU" smtClean="0"/>
-              <a:t>20.08.2020</a:t>
+              <a:t>27.08.2020</a:t>
             </a:fld>
             <a:endParaRPr lang="ru-RU"/>
           </a:p>
@@ -1943,7 +1959,7 @@
           <a:p>
             <a:fld id="{ED96DF39-5FB6-428B-B612-AFF0B4EB7C0D}" type="datetimeFigureOut">
               <a:rPr lang="ru-RU" smtClean="0"/>
-              <a:t>20.08.2020</a:t>
+              <a:t>27.08.2020</a:t>
             </a:fld>
             <a:endParaRPr lang="ru-RU"/>
           </a:p>
@@ -2215,7 +2231,7 @@
           <a:p>
             <a:fld id="{ED96DF39-5FB6-428B-B612-AFF0B4EB7C0D}" type="datetimeFigureOut">
               <a:rPr lang="ru-RU" smtClean="0"/>
-              <a:t>20.08.2020</a:t>
+              <a:t>27.08.2020</a:t>
             </a:fld>
             <a:endParaRPr lang="ru-RU"/>
           </a:p>
@@ -2463,7 +2479,7 @@
           <a:p>
             <a:fld id="{ED96DF39-5FB6-428B-B612-AFF0B4EB7C0D}" type="datetimeFigureOut">
               <a:rPr lang="ru-RU" smtClean="0"/>
-              <a:t>20.08.2020</a:t>
+              <a:t>27.08.2020</a:t>
             </a:fld>
             <a:endParaRPr lang="ru-RU"/>
           </a:p>
@@ -2671,7 +2687,7 @@
           <a:p>
             <a:fld id="{ED96DF39-5FB6-428B-B612-AFF0B4EB7C0D}" type="datetimeFigureOut">
               <a:rPr lang="ru-RU" smtClean="0"/>
-              <a:t>20.08.2020</a:t>
+              <a:t>27.08.2020</a:t>
             </a:fld>
             <a:endParaRPr lang="ru-RU"/>
           </a:p>
@@ -3484,7 +3500,7 @@
         <p:spPr/>
         <p:txBody>
           <a:bodyPr>
-            <a:normAutofit fontScale="92500" lnSpcReduction="10000"/>
+            <a:normAutofit/>
           </a:bodyPr>
           <a:lstStyle/>
           <a:p>
@@ -3493,8 +3509,8 @@
               <a:t>Клиент узнаёт по коду ответа о результатах его запроса и определяет, какие действия ему </a:t>
             </a:r>
             <a:r>
-              <a:rPr lang="ru-RU" dirty="0" err="1" smtClean="0"/>
-              <a:t>предприни</a:t>
+              <a:rPr lang="ru-RU" dirty="0"/>
+              <a:t>предпринимать дальше.</a:t>
             </a:r>
             <a:endParaRPr lang="en-US" dirty="0" smtClean="0"/>
           </a:p>
@@ -3505,15 +3521,15 @@
             </a:r>
             <a:r>
               <a:rPr lang="ru-RU" dirty="0"/>
-              <a:t>информационные)</a:t>
+              <a:t>информационные</a:t>
             </a:r>
             <a:r>
               <a:rPr lang="ru-RU" dirty="0" smtClean="0"/>
-              <a:t>мать </a:t>
+              <a:t>) </a:t>
             </a:r>
             <a:r>
               <a:rPr lang="ru-RU" dirty="0"/>
-              <a:t>дальше. </a:t>
+              <a:t> </a:t>
             </a:r>
             <a:endParaRPr lang="en-US" dirty="0" smtClean="0"/>
           </a:p>
